--- a/Charlie and the Data Factory.pptx
+++ b/Charlie and the Data Factory.pptx
@@ -144,7 +144,7 @@
 <file path=ppt/revisionInfo.xml><?xml version="1.0" encoding="utf-8"?>
 <p1510:revInfo xmlns:a="http://schemas.openxmlformats.org/drawingml/2006/main" xmlns:r="http://schemas.openxmlformats.org/officeDocument/2006/relationships" xmlns:p1510="http://schemas.microsoft.com/office/powerpoint/2015/10/main">
   <p1510:revLst>
-    <p1510:client id="{DB174050-2232-4895-AC66-C8DCBFA14C13}" v="113" dt="2020-05-14T20:03:09.233"/>
+    <p1510:client id="{DB174050-2232-4895-AC66-C8DCBFA14C13}" v="151" dt="2020-05-14T20:07:31.660"/>
   </p1510:revLst>
 </p1510:revInfo>
 </file>
@@ -892,7 +892,7 @@
   <pc:docChgLst>
     <pc:chgData name="Vanessa Kesten" userId="54a0b94d4e22dc53" providerId="LiveId" clId="{DB174050-2232-4895-AC66-C8DCBFA14C13}"/>
     <pc:docChg chg="undo redo custSel addSld delSld modSld sldOrd">
-      <pc:chgData name="Vanessa Kesten" userId="54a0b94d4e22dc53" providerId="LiveId" clId="{DB174050-2232-4895-AC66-C8DCBFA14C13}" dt="2020-05-14T20:03:08.847" v="4560" actId="20577"/>
+      <pc:chgData name="Vanessa Kesten" userId="54a0b94d4e22dc53" providerId="LiveId" clId="{DB174050-2232-4895-AC66-C8DCBFA14C13}" dt="2020-05-14T20:07:31.659" v="4615" actId="1035"/>
       <pc:docMkLst>
         <pc:docMk/>
       </pc:docMkLst>
@@ -1270,11 +1270,19 @@
         </pc:spChg>
       </pc:sldChg>
       <pc:sldChg chg="addSp delSp modSp add mod ord">
-        <pc:chgData name="Vanessa Kesten" userId="54a0b94d4e22dc53" providerId="LiveId" clId="{DB174050-2232-4895-AC66-C8DCBFA14C13}" dt="2020-05-10T01:48:14.548" v="2712" actId="1038"/>
+        <pc:chgData name="Vanessa Kesten" userId="54a0b94d4e22dc53" providerId="LiveId" clId="{DB174050-2232-4895-AC66-C8DCBFA14C13}" dt="2020-05-14T20:07:31.659" v="4615" actId="1035"/>
         <pc:sldMkLst>
           <pc:docMk/>
           <pc:sldMk cId="1980254719" sldId="375"/>
         </pc:sldMkLst>
+        <pc:spChg chg="add mod">
+          <ac:chgData name="Vanessa Kesten" userId="54a0b94d4e22dc53" providerId="LiveId" clId="{DB174050-2232-4895-AC66-C8DCBFA14C13}" dt="2020-05-14T20:07:27.580" v="4610" actId="1076"/>
+          <ac:spMkLst>
+            <pc:docMk/>
+            <pc:sldMk cId="1980254719" sldId="375"/>
+            <ac:spMk id="2" creationId="{B076D33B-E684-4D0D-89F1-0DE16CB31045}"/>
+          </ac:spMkLst>
+        </pc:spChg>
         <pc:spChg chg="add del mod">
           <ac:chgData name="Vanessa Kesten" userId="54a0b94d4e22dc53" providerId="LiveId" clId="{DB174050-2232-4895-AC66-C8DCBFA14C13}" dt="2020-05-10T01:46:15.295" v="2637" actId="478"/>
           <ac:spMkLst>
@@ -1284,7 +1292,7 @@
           </ac:spMkLst>
         </pc:spChg>
         <pc:spChg chg="add del mod">
-          <ac:chgData name="Vanessa Kesten" userId="54a0b94d4e22dc53" providerId="LiveId" clId="{DB174050-2232-4895-AC66-C8DCBFA14C13}" dt="2020-05-10T01:47:48.351" v="2695" actId="1038"/>
+          <ac:chgData name="Vanessa Kesten" userId="54a0b94d4e22dc53" providerId="LiveId" clId="{DB174050-2232-4895-AC66-C8DCBFA14C13}" dt="2020-05-14T20:06:52.035" v="4583" actId="1035"/>
           <ac:spMkLst>
             <pc:docMk/>
             <pc:sldMk cId="1980254719" sldId="375"/>
@@ -1308,7 +1316,7 @@
           </ac:spMkLst>
         </pc:spChg>
         <pc:spChg chg="mod">
-          <ac:chgData name="Vanessa Kesten" userId="54a0b94d4e22dc53" providerId="LiveId" clId="{DB174050-2232-4895-AC66-C8DCBFA14C13}" dt="2020-05-10T01:48:14.548" v="2712" actId="1038"/>
+          <ac:chgData name="Vanessa Kesten" userId="54a0b94d4e22dc53" providerId="LiveId" clId="{DB174050-2232-4895-AC66-C8DCBFA14C13}" dt="2020-05-14T20:07:31.659" v="4615" actId="1035"/>
           <ac:spMkLst>
             <pc:docMk/>
             <pc:sldMk cId="1980254719" sldId="375"/>
@@ -1324,7 +1332,7 @@
           </ac:spMkLst>
         </pc:spChg>
         <pc:spChg chg="mod">
-          <ac:chgData name="Vanessa Kesten" userId="54a0b94d4e22dc53" providerId="LiveId" clId="{DB174050-2232-4895-AC66-C8DCBFA14C13}" dt="2020-05-10T01:48:14.548" v="2712" actId="1038"/>
+          <ac:chgData name="Vanessa Kesten" userId="54a0b94d4e22dc53" providerId="LiveId" clId="{DB174050-2232-4895-AC66-C8DCBFA14C13}" dt="2020-05-14T20:07:31.659" v="4615" actId="1035"/>
           <ac:spMkLst>
             <pc:docMk/>
             <pc:sldMk cId="1980254719" sldId="375"/>
@@ -1348,7 +1356,7 @@
           </ac:spMkLst>
         </pc:spChg>
         <pc:grpChg chg="mod">
-          <ac:chgData name="Vanessa Kesten" userId="54a0b94d4e22dc53" providerId="LiveId" clId="{DB174050-2232-4895-AC66-C8DCBFA14C13}" dt="2020-05-10T01:48:14.548" v="2712" actId="1038"/>
+          <ac:chgData name="Vanessa Kesten" userId="54a0b94d4e22dc53" providerId="LiveId" clId="{DB174050-2232-4895-AC66-C8DCBFA14C13}" dt="2020-05-14T20:07:31.659" v="4615" actId="1035"/>
           <ac:grpSpMkLst>
             <pc:docMk/>
             <pc:sldMk cId="1980254719" sldId="375"/>
@@ -1356,7 +1364,7 @@
           </ac:grpSpMkLst>
         </pc:grpChg>
         <pc:grpChg chg="mod">
-          <ac:chgData name="Vanessa Kesten" userId="54a0b94d4e22dc53" providerId="LiveId" clId="{DB174050-2232-4895-AC66-C8DCBFA14C13}" dt="2020-05-10T01:48:14.548" v="2712" actId="1038"/>
+          <ac:chgData name="Vanessa Kesten" userId="54a0b94d4e22dc53" providerId="LiveId" clId="{DB174050-2232-4895-AC66-C8DCBFA14C13}" dt="2020-05-14T20:07:31.659" v="4615" actId="1035"/>
           <ac:grpSpMkLst>
             <pc:docMk/>
             <pc:sldMk cId="1980254719" sldId="375"/>
@@ -1364,7 +1372,7 @@
           </ac:grpSpMkLst>
         </pc:grpChg>
         <pc:grpChg chg="mod">
-          <ac:chgData name="Vanessa Kesten" userId="54a0b94d4e22dc53" providerId="LiveId" clId="{DB174050-2232-4895-AC66-C8DCBFA14C13}" dt="2020-05-10T01:48:14.548" v="2712" actId="1038"/>
+          <ac:chgData name="Vanessa Kesten" userId="54a0b94d4e22dc53" providerId="LiveId" clId="{DB174050-2232-4895-AC66-C8DCBFA14C13}" dt="2020-05-14T20:07:31.659" v="4615" actId="1035"/>
           <ac:grpSpMkLst>
             <pc:docMk/>
             <pc:sldMk cId="1980254719" sldId="375"/>
@@ -1372,7 +1380,7 @@
           </ac:grpSpMkLst>
         </pc:grpChg>
         <pc:picChg chg="mod">
-          <ac:chgData name="Vanessa Kesten" userId="54a0b94d4e22dc53" providerId="LiveId" clId="{DB174050-2232-4895-AC66-C8DCBFA14C13}" dt="2020-05-10T01:46:35.738" v="2646" actId="1076"/>
+          <ac:chgData name="Vanessa Kesten" userId="54a0b94d4e22dc53" providerId="LiveId" clId="{DB174050-2232-4895-AC66-C8DCBFA14C13}" dt="2020-05-14T20:06:47.572" v="4571" actId="1035"/>
           <ac:picMkLst>
             <pc:docMk/>
             <pc:sldMk cId="1980254719" sldId="375"/>
@@ -1498,7 +1506,7 @@
           <a:p>
             <a:fld id="{E8AF16D8-E65A-4418-A452-37AB57464CB9}" type="datetimeFigureOut">
               <a:rPr lang="en-US" smtClean="0"/>
-              <a:t>5/9/2020</a:t>
+              <a:t>5/14/2020</a:t>
             </a:fld>
             <a:endParaRPr lang="en-US"/>
           </a:p>
@@ -5214,7 +5222,7 @@
           <a:p>
             <a:fld id="{DC387C12-BDE9-4C3A-91FF-6CF402ECD738}" type="datetimeFigureOut">
               <a:rPr lang="en-US" smtClean="0"/>
-              <a:t>5/9/2020</a:t>
+              <a:t>5/14/2020</a:t>
             </a:fld>
             <a:endParaRPr lang="en-US"/>
           </a:p>
@@ -5412,7 +5420,7 @@
           <a:p>
             <a:fld id="{DC387C12-BDE9-4C3A-91FF-6CF402ECD738}" type="datetimeFigureOut">
               <a:rPr lang="en-US" smtClean="0"/>
-              <a:t>5/9/2020</a:t>
+              <a:t>5/14/2020</a:t>
             </a:fld>
             <a:endParaRPr lang="en-US"/>
           </a:p>
@@ -5620,7 +5628,7 @@
           <a:p>
             <a:fld id="{DC387C12-BDE9-4C3A-91FF-6CF402ECD738}" type="datetimeFigureOut">
               <a:rPr lang="en-US" smtClean="0"/>
-              <a:t>5/9/2020</a:t>
+              <a:t>5/14/2020</a:t>
             </a:fld>
             <a:endParaRPr lang="en-US"/>
           </a:p>
@@ -6317,7 +6325,7 @@
           <a:p>
             <a:fld id="{DC387C12-BDE9-4C3A-91FF-6CF402ECD738}" type="datetimeFigureOut">
               <a:rPr lang="en-US" smtClean="0"/>
-              <a:t>5/9/2020</a:t>
+              <a:t>5/14/2020</a:t>
             </a:fld>
             <a:endParaRPr lang="en-US"/>
           </a:p>
@@ -6592,7 +6600,7 @@
           <a:p>
             <a:fld id="{DC387C12-BDE9-4C3A-91FF-6CF402ECD738}" type="datetimeFigureOut">
               <a:rPr lang="en-US" smtClean="0"/>
-              <a:t>5/9/2020</a:t>
+              <a:t>5/14/2020</a:t>
             </a:fld>
             <a:endParaRPr lang="en-US"/>
           </a:p>
@@ -6857,7 +6865,7 @@
           <a:p>
             <a:fld id="{DC387C12-BDE9-4C3A-91FF-6CF402ECD738}" type="datetimeFigureOut">
               <a:rPr lang="en-US" smtClean="0"/>
-              <a:t>5/9/2020</a:t>
+              <a:t>5/14/2020</a:t>
             </a:fld>
             <a:endParaRPr lang="en-US"/>
           </a:p>
@@ -7269,7 +7277,7 @@
           <a:p>
             <a:fld id="{DC387C12-BDE9-4C3A-91FF-6CF402ECD738}" type="datetimeFigureOut">
               <a:rPr lang="en-US" smtClean="0"/>
-              <a:t>5/9/2020</a:t>
+              <a:t>5/14/2020</a:t>
             </a:fld>
             <a:endParaRPr lang="en-US"/>
           </a:p>
@@ -7410,7 +7418,7 @@
           <a:p>
             <a:fld id="{DC387C12-BDE9-4C3A-91FF-6CF402ECD738}" type="datetimeFigureOut">
               <a:rPr lang="en-US" smtClean="0"/>
-              <a:t>5/9/2020</a:t>
+              <a:t>5/14/2020</a:t>
             </a:fld>
             <a:endParaRPr lang="en-US"/>
           </a:p>
@@ -7523,7 +7531,7 @@
           <a:p>
             <a:fld id="{DC387C12-BDE9-4C3A-91FF-6CF402ECD738}" type="datetimeFigureOut">
               <a:rPr lang="en-US" smtClean="0"/>
-              <a:t>5/9/2020</a:t>
+              <a:t>5/14/2020</a:t>
             </a:fld>
             <a:endParaRPr lang="en-US"/>
           </a:p>
@@ -7834,7 +7842,7 @@
           <a:p>
             <a:fld id="{DC387C12-BDE9-4C3A-91FF-6CF402ECD738}" type="datetimeFigureOut">
               <a:rPr lang="en-US" smtClean="0"/>
-              <a:t>5/9/2020</a:t>
+              <a:t>5/14/2020</a:t>
             </a:fld>
             <a:endParaRPr lang="en-US"/>
           </a:p>
@@ -8122,7 +8130,7 @@
           <a:p>
             <a:fld id="{DC387C12-BDE9-4C3A-91FF-6CF402ECD738}" type="datetimeFigureOut">
               <a:rPr lang="en-US" smtClean="0"/>
-              <a:t>5/9/2020</a:t>
+              <a:t>5/14/2020</a:t>
             </a:fld>
             <a:endParaRPr lang="en-US"/>
           </a:p>
@@ -8363,7 +8371,7 @@
           <a:p>
             <a:fld id="{DC387C12-BDE9-4C3A-91FF-6CF402ECD738}" type="datetimeFigureOut">
               <a:rPr lang="en-US" smtClean="0"/>
-              <a:t>5/9/2020</a:t>
+              <a:t>5/14/2020</a:t>
             </a:fld>
             <a:endParaRPr lang="en-US"/>
           </a:p>
@@ -13906,7 +13914,7 @@
         </p:blipFill>
         <p:spPr>
           <a:xfrm>
-            <a:off x="5799342" y="732762"/>
+            <a:off x="5799342" y="609930"/>
             <a:ext cx="2108999" cy="2108999"/>
           </a:xfrm>
         </p:spPr>
@@ -13929,7 +13937,7 @@
         </p:nvSpPr>
         <p:spPr>
           <a:xfrm>
-            <a:off x="4704905" y="3130722"/>
+            <a:off x="4704905" y="2844117"/>
             <a:ext cx="5445189" cy="596555"/>
           </a:xfrm>
         </p:spPr>
@@ -13968,7 +13976,7 @@
         </p:nvSpPr>
         <p:spPr>
           <a:xfrm>
-            <a:off x="5702246" y="3888846"/>
+            <a:off x="5702246" y="4270983"/>
             <a:ext cx="5445189" cy="1903838"/>
           </a:xfrm>
         </p:spPr>
@@ -14045,7 +14053,7 @@
         </p:nvGrpSpPr>
         <p:grpSpPr>
           <a:xfrm>
-            <a:off x="5149679" y="4620121"/>
+            <a:off x="5149679" y="5002258"/>
             <a:ext cx="500500" cy="519464"/>
             <a:chOff x="470537" y="3886355"/>
             <a:chExt cx="229600" cy="229600"/>
@@ -14417,7 +14425,7 @@
         </p:nvGrpSpPr>
         <p:grpSpPr>
           <a:xfrm>
-            <a:off x="5125866" y="3949663"/>
+            <a:off x="5125866" y="4331800"/>
             <a:ext cx="500500" cy="519464"/>
             <a:chOff x="470535" y="3492943"/>
             <a:chExt cx="229600" cy="229600"/>
@@ -15096,7 +15104,7 @@
         </p:nvSpPr>
         <p:spPr>
           <a:xfrm>
-            <a:off x="4417940" y="5334823"/>
+            <a:off x="4417940" y="5716960"/>
             <a:ext cx="5445189" cy="828068"/>
           </a:xfrm>
           <a:prstGeom prst="rect">
@@ -15287,6 +15295,44 @@
               </a:rPr>
               <a:t>VanessaEHL@gmail.com</a:t>
             </a:r>
+          </a:p>
+        </p:txBody>
+      </p:sp>
+      <p:sp>
+        <p:nvSpPr>
+          <p:cNvPr id="2" name="TextBox 1">
+            <a:extLst>
+              <a:ext uri="{FF2B5EF4-FFF2-40B4-BE49-F238E27FC236}">
+                <a16:creationId xmlns:a16="http://schemas.microsoft.com/office/drawing/2014/main" id="{B076D33B-E684-4D0D-89F1-0DE16CB31045}"/>
+              </a:ext>
+            </a:extLst>
+          </p:cNvPr>
+          <p:cNvSpPr txBox="1"/>
+          <p:nvPr/>
+        </p:nvSpPr>
+        <p:spPr>
+          <a:xfrm>
+            <a:off x="3774696" y="3468423"/>
+            <a:ext cx="6158289" cy="646331"/>
+          </a:xfrm>
+          <a:prstGeom prst="rect">
+            <a:avLst/>
+          </a:prstGeom>
+          <a:noFill/>
+        </p:spPr>
+        <p:txBody>
+          <a:bodyPr wrap="none" rtlCol="0">
+            <a:spAutoFit/>
+          </a:bodyPr>
+          <a:lstStyle/>
+          <a:p>
+            <a:r>
+              <a:rPr lang="en-US" sz="3600" dirty="0">
+                <a:hlinkClick r:id="rId4"/>
+              </a:rPr>
+              <a:t>https://github.com/DataJoy-VJK</a:t>
+            </a:r>
+            <a:endParaRPr lang="en-US" sz="3600" dirty="0"/>
           </a:p>
         </p:txBody>
       </p:sp>
